--- a/Soutenance_WebAgency.pptx
+++ b/Soutenance_WebAgency.pptx
@@ -245,7 +245,7 @@
             <a:pPr rtl="0"/>
             <a:fld id="{2AACEC99-872E-4BE6-87CE-5462E299CF63}" type="datetime1">
               <a:rPr lang="fr-FR" smtClean="0"/>
-              <a:t>20/08/2019</a:t>
+              <a:t>22/08/2019</a:t>
             </a:fld>
             <a:endParaRPr lang="fr-FR"/>
           </a:p>
@@ -415,7 +415,7 @@
             <a:pPr rtl="0"/>
             <a:fld id="{FE8AAD21-5A52-4ED4-B699-8F94AA279DBC}" type="datetime1">
               <a:rPr lang="fr-FR" noProof="0" smtClean="0"/>
-              <a:t>20/08/2019</a:t>
+              <a:t>22/08/2019</a:t>
             </a:fld>
             <a:endParaRPr lang="fr-FR" noProof="0"/>
           </a:p>
@@ -2261,7 +2261,7 @@
             <a:pPr rtl="0"/>
             <a:fld id="{12F4F58A-EEE9-490A-A0D2-E6D20715821E}" type="datetime1">
               <a:rPr lang="fr-FR" noProof="0" smtClean="0"/>
-              <a:t>20/08/2019</a:t>
+              <a:t>22/08/2019</a:t>
             </a:fld>
             <a:endParaRPr lang="fr-FR" noProof="0"/>
           </a:p>
@@ -9383,7 +9383,7 @@
             <a:pPr rtl="0"/>
             <a:fld id="{8FED1BF7-2879-4D42-A9D7-AA7DD9EFFB4D}" type="datetime1">
               <a:rPr lang="fr-FR" noProof="0" smtClean="0"/>
-              <a:t>20/08/2019</a:t>
+              <a:t>22/08/2019</a:t>
             </a:fld>
             <a:endParaRPr lang="fr-FR" noProof="0"/>
           </a:p>
@@ -16582,7 +16582,7 @@
             <a:pPr rtl="0"/>
             <a:fld id="{AC22674B-BE72-4FCB-BB26-86059B0ED55D}" type="datetime1">
               <a:rPr lang="fr-FR" noProof="0" smtClean="0"/>
-              <a:t>20/08/2019</a:t>
+              <a:t>22/08/2019</a:t>
             </a:fld>
             <a:endParaRPr lang="fr-FR" noProof="0"/>
           </a:p>
@@ -16784,7 +16784,7 @@
             <a:pPr rtl="0"/>
             <a:fld id="{5F19CC9A-12B0-4652-A55A-01DC1615F66E}" type="datetime1">
               <a:rPr lang="fr-FR" noProof="0" smtClean="0"/>
-              <a:t>20/08/2019</a:t>
+              <a:t>22/08/2019</a:t>
             </a:fld>
             <a:endParaRPr lang="fr-FR" noProof="0"/>
           </a:p>
@@ -17125,7 +17125,7 @@
             <a:pPr rtl="0"/>
             <a:fld id="{47CFEBE6-3E95-4078-BB09-947CEA3E590B}" type="datetime1">
               <a:rPr lang="fr-FR" noProof="0" smtClean="0"/>
-              <a:t>20/08/2019</a:t>
+              <a:t>22/08/2019</a:t>
             </a:fld>
             <a:endParaRPr lang="fr-FR" noProof="0"/>
           </a:p>
@@ -24355,7 +24355,7 @@
             <a:pPr rtl="0"/>
             <a:fld id="{F7B31F24-6332-48C4-AF3D-057A655FB010}" type="datetime1">
               <a:rPr lang="fr-FR" noProof="0" smtClean="0"/>
-              <a:t>20/08/2019</a:t>
+              <a:t>22/08/2019</a:t>
             </a:fld>
             <a:endParaRPr lang="fr-FR" noProof="0"/>
           </a:p>
@@ -24794,7 +24794,7 @@
             <a:pPr rtl="0"/>
             <a:fld id="{A34D9DA5-8ED4-4B5C-9AA2-D42ADC686E92}" type="datetime1">
               <a:rPr lang="fr-FR" noProof="0" smtClean="0"/>
-              <a:t>20/08/2019</a:t>
+              <a:t>22/08/2019</a:t>
             </a:fld>
             <a:endParaRPr lang="fr-FR" noProof="0"/>
           </a:p>
@@ -24925,7 +24925,7 @@
             <a:pPr rtl="0"/>
             <a:fld id="{ABF8B58A-C8FE-443B-9417-1EB3638CD01B}" type="datetime1">
               <a:rPr lang="fr-FR" noProof="0" smtClean="0"/>
-              <a:t>20/08/2019</a:t>
+              <a:t>22/08/2019</a:t>
             </a:fld>
             <a:endParaRPr lang="fr-FR" noProof="0"/>
           </a:p>
@@ -25111,7 +25111,7 @@
             <a:pPr rtl="0"/>
             <a:fld id="{46953EED-4C2C-415C-9626-9239AC934FE9}" type="datetime1">
               <a:rPr lang="fr-FR" noProof="0" smtClean="0"/>
-              <a:t>20/08/2019</a:t>
+              <a:t>22/08/2019</a:t>
             </a:fld>
             <a:endParaRPr lang="fr-FR" noProof="0"/>
           </a:p>
@@ -33261,7 +33261,7 @@
             <a:pPr rtl="0"/>
             <a:fld id="{5A821360-DC68-4E86-AA90-3ADADC77DD1C}" type="datetime1">
               <a:rPr lang="fr-FR" noProof="0" smtClean="0"/>
-              <a:t>20/08/2019</a:t>
+              <a:t>22/08/2019</a:t>
             </a:fld>
             <a:endParaRPr lang="fr-FR" noProof="0"/>
           </a:p>
@@ -41397,7 +41397,7 @@
             <a:pPr rtl="0"/>
             <a:fld id="{4FE47DA5-846A-415F-946E-CF4DCD5A02CB}" type="datetime1">
               <a:rPr lang="fr-FR" noProof="0" smtClean="0"/>
-              <a:t>20/08/2019</a:t>
+              <a:t>22/08/2019</a:t>
             </a:fld>
             <a:endParaRPr lang="fr-FR" noProof="0"/>
           </a:p>
@@ -41718,7 +41718,7 @@
             <a:pPr rtl="0"/>
             <a:fld id="{6CB2F408-2159-467B-8D02-187BA7FD5CF2}" type="datetime1">
               <a:rPr lang="fr-FR" noProof="0" smtClean="0"/>
-              <a:t>20/08/2019</a:t>
+              <a:t>22/08/2019</a:t>
             </a:fld>
             <a:endParaRPr lang="fr-FR" noProof="0"/>
           </a:p>
@@ -50730,25 +50730,88 @@
           </a:p>
         </p:txBody>
       </p:sp>
-      <p:sp>
-        <p:nvSpPr>
-          <p:cNvPr id="3" name="Espace réservé du contenu 2"/>
-          <p:cNvSpPr>
-            <a:spLocks noGrp="1"/>
-          </p:cNvSpPr>
-          <p:nvPr>
-            <p:ph idx="1"/>
-          </p:nvPr>
-        </p:nvSpPr>
-        <p:spPr/>
-        <p:txBody>
-          <a:bodyPr/>
-          <a:lstStyle/>
-          <a:p>
-            <a:endParaRPr lang="fr-FR" dirty="0"/>
-          </a:p>
-        </p:txBody>
-      </p:sp>
+      <p:pic>
+        <p:nvPicPr>
+          <p:cNvPr id="1028" name="Picture 4" descr="Smartphone noir orienté en mode portrait"/>
+          <p:cNvPicPr>
+            <a:picLocks noChangeAspect="1" noChangeArrowheads="1"/>
+          </p:cNvPicPr>
+          <p:nvPr/>
+        </p:nvPicPr>
+        <p:blipFill>
+          <a:blip r:embed="rId3">
+            <a:extLst>
+              <a:ext uri="{28A0092B-C50C-407E-A947-70E740481C1C}">
+                <a14:useLocalDpi xmlns:a14="http://schemas.microsoft.com/office/drawing/2010/main" val="0"/>
+              </a:ext>
+            </a:extLst>
+          </a:blip>
+          <a:srcRect/>
+          <a:stretch>
+            <a:fillRect/>
+          </a:stretch>
+        </p:blipFill>
+        <p:spPr bwMode="auto">
+          <a:xfrm>
+            <a:off x="9046740" y="1916832"/>
+            <a:ext cx="1741933" cy="3421113"/>
+          </a:xfrm>
+          <a:prstGeom prst="rect">
+            <a:avLst/>
+          </a:prstGeom>
+          <a:noFill/>
+          <a:extLst>
+            <a:ext uri="{909E8E84-426E-40DD-AFC4-6F175D3DCCD1}">
+              <a14:hiddenFill xmlns:a14="http://schemas.microsoft.com/office/drawing/2010/main">
+                <a:solidFill>
+                  <a:srgbClr val="FFFFFF"/>
+                </a:solidFill>
+              </a14:hiddenFill>
+            </a:ext>
+          </a:extLst>
+        </p:spPr>
+      </p:pic>
+      <p:pic>
+        <p:nvPicPr>
+          <p:cNvPr id="1026" name="Picture 2" descr="Ordinateur Chromebook ouvert"/>
+          <p:cNvPicPr>
+            <a:picLocks noChangeAspect="1" noChangeArrowheads="1"/>
+          </p:cNvPicPr>
+          <p:nvPr/>
+        </p:nvPicPr>
+        <p:blipFill>
+          <a:blip r:embed="rId4">
+            <a:extLst>
+              <a:ext uri="{28A0092B-C50C-407E-A947-70E740481C1C}">
+                <a14:useLocalDpi xmlns:a14="http://schemas.microsoft.com/office/drawing/2010/main" val="0"/>
+              </a:ext>
+            </a:extLst>
+          </a:blip>
+          <a:srcRect/>
+          <a:stretch>
+            <a:fillRect/>
+          </a:stretch>
+        </p:blipFill>
+        <p:spPr bwMode="auto">
+          <a:xfrm>
+            <a:off x="477788" y="1700808"/>
+            <a:ext cx="8368376" cy="4963493"/>
+          </a:xfrm>
+          <a:prstGeom prst="rect">
+            <a:avLst/>
+          </a:prstGeom>
+          <a:noFill/>
+          <a:extLst>
+            <a:ext uri="{909E8E84-426E-40DD-AFC4-6F175D3DCCD1}">
+              <a14:hiddenFill xmlns:a14="http://schemas.microsoft.com/office/drawing/2010/main">
+                <a:solidFill>
+                  <a:srgbClr val="FFFFFF"/>
+                </a:solidFill>
+              </a14:hiddenFill>
+            </a:ext>
+          </a:extLst>
+        </p:spPr>
+      </p:pic>
     </p:spTree>
     <p:extLst>
       <p:ext uri="{BB962C8B-B14F-4D97-AF65-F5344CB8AC3E}">
@@ -50816,25 +50879,88 @@
           </a:p>
         </p:txBody>
       </p:sp>
-      <p:sp>
-        <p:nvSpPr>
-          <p:cNvPr id="3" name="Espace réservé du contenu 2"/>
-          <p:cNvSpPr>
-            <a:spLocks noGrp="1"/>
-          </p:cNvSpPr>
-          <p:nvPr>
-            <p:ph idx="1"/>
-          </p:nvPr>
-        </p:nvSpPr>
-        <p:spPr/>
-        <p:txBody>
-          <a:bodyPr/>
-          <a:lstStyle/>
-          <a:p>
-            <a:endParaRPr lang="fr-FR" dirty="0"/>
-          </a:p>
-        </p:txBody>
-      </p:sp>
+      <p:pic>
+        <p:nvPicPr>
+          <p:cNvPr id="4" name="Picture 4" descr="Smartphone noir orienté en mode portrait"/>
+          <p:cNvPicPr>
+            <a:picLocks noChangeAspect="1" noChangeArrowheads="1"/>
+          </p:cNvPicPr>
+          <p:nvPr/>
+        </p:nvPicPr>
+        <p:blipFill>
+          <a:blip r:embed="rId3">
+            <a:extLst>
+              <a:ext uri="{28A0092B-C50C-407E-A947-70E740481C1C}">
+                <a14:useLocalDpi xmlns:a14="http://schemas.microsoft.com/office/drawing/2010/main" val="0"/>
+              </a:ext>
+            </a:extLst>
+          </a:blip>
+          <a:srcRect/>
+          <a:stretch>
+            <a:fillRect/>
+          </a:stretch>
+        </p:blipFill>
+        <p:spPr bwMode="auto">
+          <a:xfrm>
+            <a:off x="9046740" y="1916832"/>
+            <a:ext cx="1741933" cy="3421113"/>
+          </a:xfrm>
+          <a:prstGeom prst="rect">
+            <a:avLst/>
+          </a:prstGeom>
+          <a:noFill/>
+          <a:extLst>
+            <a:ext uri="{909E8E84-426E-40DD-AFC4-6F175D3DCCD1}">
+              <a14:hiddenFill xmlns:a14="http://schemas.microsoft.com/office/drawing/2010/main">
+                <a:solidFill>
+                  <a:srgbClr val="FFFFFF"/>
+                </a:solidFill>
+              </a14:hiddenFill>
+            </a:ext>
+          </a:extLst>
+        </p:spPr>
+      </p:pic>
+      <p:pic>
+        <p:nvPicPr>
+          <p:cNvPr id="5" name="Picture 2" descr="Ordinateur Chromebook ouvert"/>
+          <p:cNvPicPr>
+            <a:picLocks noChangeAspect="1" noChangeArrowheads="1"/>
+          </p:cNvPicPr>
+          <p:nvPr/>
+        </p:nvPicPr>
+        <p:blipFill>
+          <a:blip r:embed="rId4">
+            <a:extLst>
+              <a:ext uri="{28A0092B-C50C-407E-A947-70E740481C1C}">
+                <a14:useLocalDpi xmlns:a14="http://schemas.microsoft.com/office/drawing/2010/main" val="0"/>
+              </a:ext>
+            </a:extLst>
+          </a:blip>
+          <a:srcRect/>
+          <a:stretch>
+            <a:fillRect/>
+          </a:stretch>
+        </p:blipFill>
+        <p:spPr bwMode="auto">
+          <a:xfrm>
+            <a:off x="477788" y="1700808"/>
+            <a:ext cx="8368376" cy="4963493"/>
+          </a:xfrm>
+          <a:prstGeom prst="rect">
+            <a:avLst/>
+          </a:prstGeom>
+          <a:noFill/>
+          <a:extLst>
+            <a:ext uri="{909E8E84-426E-40DD-AFC4-6F175D3DCCD1}">
+              <a14:hiddenFill xmlns:a14="http://schemas.microsoft.com/office/drawing/2010/main">
+                <a:solidFill>
+                  <a:srgbClr val="FFFFFF"/>
+                </a:solidFill>
+              </a14:hiddenFill>
+            </a:ext>
+          </a:extLst>
+        </p:spPr>
+      </p:pic>
     </p:spTree>
     <p:extLst>
       <p:ext uri="{BB962C8B-B14F-4D97-AF65-F5344CB8AC3E}">
@@ -50902,25 +51028,88 @@
           </a:p>
         </p:txBody>
       </p:sp>
-      <p:sp>
-        <p:nvSpPr>
-          <p:cNvPr id="3" name="Espace réservé du contenu 2"/>
-          <p:cNvSpPr>
-            <a:spLocks noGrp="1"/>
-          </p:cNvSpPr>
-          <p:nvPr>
-            <p:ph idx="1"/>
-          </p:nvPr>
-        </p:nvSpPr>
-        <p:spPr/>
-        <p:txBody>
-          <a:bodyPr/>
-          <a:lstStyle/>
-          <a:p>
-            <a:endParaRPr lang="fr-FR" dirty="0"/>
-          </a:p>
-        </p:txBody>
-      </p:sp>
+      <p:pic>
+        <p:nvPicPr>
+          <p:cNvPr id="4" name="Picture 4" descr="Smartphone noir orienté en mode portrait"/>
+          <p:cNvPicPr>
+            <a:picLocks noChangeAspect="1" noChangeArrowheads="1"/>
+          </p:cNvPicPr>
+          <p:nvPr/>
+        </p:nvPicPr>
+        <p:blipFill>
+          <a:blip r:embed="rId3">
+            <a:extLst>
+              <a:ext uri="{28A0092B-C50C-407E-A947-70E740481C1C}">
+                <a14:useLocalDpi xmlns:a14="http://schemas.microsoft.com/office/drawing/2010/main" val="0"/>
+              </a:ext>
+            </a:extLst>
+          </a:blip>
+          <a:srcRect/>
+          <a:stretch>
+            <a:fillRect/>
+          </a:stretch>
+        </p:blipFill>
+        <p:spPr bwMode="auto">
+          <a:xfrm>
+            <a:off x="9046740" y="1916832"/>
+            <a:ext cx="1741933" cy="3421113"/>
+          </a:xfrm>
+          <a:prstGeom prst="rect">
+            <a:avLst/>
+          </a:prstGeom>
+          <a:noFill/>
+          <a:extLst>
+            <a:ext uri="{909E8E84-426E-40DD-AFC4-6F175D3DCCD1}">
+              <a14:hiddenFill xmlns:a14="http://schemas.microsoft.com/office/drawing/2010/main">
+                <a:solidFill>
+                  <a:srgbClr val="FFFFFF"/>
+                </a:solidFill>
+              </a14:hiddenFill>
+            </a:ext>
+          </a:extLst>
+        </p:spPr>
+      </p:pic>
+      <p:pic>
+        <p:nvPicPr>
+          <p:cNvPr id="5" name="Picture 2" descr="Ordinateur Chromebook ouvert"/>
+          <p:cNvPicPr>
+            <a:picLocks noChangeAspect="1" noChangeArrowheads="1"/>
+          </p:cNvPicPr>
+          <p:nvPr/>
+        </p:nvPicPr>
+        <p:blipFill>
+          <a:blip r:embed="rId4">
+            <a:extLst>
+              <a:ext uri="{28A0092B-C50C-407E-A947-70E740481C1C}">
+                <a14:useLocalDpi xmlns:a14="http://schemas.microsoft.com/office/drawing/2010/main" val="0"/>
+              </a:ext>
+            </a:extLst>
+          </a:blip>
+          <a:srcRect/>
+          <a:stretch>
+            <a:fillRect/>
+          </a:stretch>
+        </p:blipFill>
+        <p:spPr bwMode="auto">
+          <a:xfrm>
+            <a:off x="477788" y="1700808"/>
+            <a:ext cx="8368376" cy="4963493"/>
+          </a:xfrm>
+          <a:prstGeom prst="rect">
+            <a:avLst/>
+          </a:prstGeom>
+          <a:noFill/>
+          <a:extLst>
+            <a:ext uri="{909E8E84-426E-40DD-AFC4-6F175D3DCCD1}">
+              <a14:hiddenFill xmlns:a14="http://schemas.microsoft.com/office/drawing/2010/main">
+                <a:solidFill>
+                  <a:srgbClr val="FFFFFF"/>
+                </a:solidFill>
+              </a14:hiddenFill>
+            </a:ext>
+          </a:extLst>
+        </p:spPr>
+      </p:pic>
     </p:spTree>
     <p:extLst>
       <p:ext uri="{BB962C8B-B14F-4D97-AF65-F5344CB8AC3E}">
@@ -50988,25 +51177,88 @@
           </a:p>
         </p:txBody>
       </p:sp>
-      <p:sp>
-        <p:nvSpPr>
-          <p:cNvPr id="3" name="Espace réservé du contenu 2"/>
-          <p:cNvSpPr>
-            <a:spLocks noGrp="1"/>
-          </p:cNvSpPr>
-          <p:nvPr>
-            <p:ph idx="1"/>
-          </p:nvPr>
-        </p:nvSpPr>
-        <p:spPr/>
-        <p:txBody>
-          <a:bodyPr/>
-          <a:lstStyle/>
-          <a:p>
-            <a:endParaRPr lang="fr-FR" dirty="0"/>
-          </a:p>
-        </p:txBody>
-      </p:sp>
+      <p:pic>
+        <p:nvPicPr>
+          <p:cNvPr id="4" name="Picture 4" descr="Smartphone noir orienté en mode portrait"/>
+          <p:cNvPicPr>
+            <a:picLocks noChangeAspect="1" noChangeArrowheads="1"/>
+          </p:cNvPicPr>
+          <p:nvPr/>
+        </p:nvPicPr>
+        <p:blipFill>
+          <a:blip r:embed="rId3">
+            <a:extLst>
+              <a:ext uri="{28A0092B-C50C-407E-A947-70E740481C1C}">
+                <a14:useLocalDpi xmlns:a14="http://schemas.microsoft.com/office/drawing/2010/main" val="0"/>
+              </a:ext>
+            </a:extLst>
+          </a:blip>
+          <a:srcRect/>
+          <a:stretch>
+            <a:fillRect/>
+          </a:stretch>
+        </p:blipFill>
+        <p:spPr bwMode="auto">
+          <a:xfrm>
+            <a:off x="9046740" y="1916832"/>
+            <a:ext cx="1741933" cy="3421113"/>
+          </a:xfrm>
+          <a:prstGeom prst="rect">
+            <a:avLst/>
+          </a:prstGeom>
+          <a:noFill/>
+          <a:extLst>
+            <a:ext uri="{909E8E84-426E-40DD-AFC4-6F175D3DCCD1}">
+              <a14:hiddenFill xmlns:a14="http://schemas.microsoft.com/office/drawing/2010/main">
+                <a:solidFill>
+                  <a:srgbClr val="FFFFFF"/>
+                </a:solidFill>
+              </a14:hiddenFill>
+            </a:ext>
+          </a:extLst>
+        </p:spPr>
+      </p:pic>
+      <p:pic>
+        <p:nvPicPr>
+          <p:cNvPr id="5" name="Picture 2" descr="Ordinateur Chromebook ouvert"/>
+          <p:cNvPicPr>
+            <a:picLocks noChangeAspect="1" noChangeArrowheads="1"/>
+          </p:cNvPicPr>
+          <p:nvPr/>
+        </p:nvPicPr>
+        <p:blipFill>
+          <a:blip r:embed="rId4">
+            <a:extLst>
+              <a:ext uri="{28A0092B-C50C-407E-A947-70E740481C1C}">
+                <a14:useLocalDpi xmlns:a14="http://schemas.microsoft.com/office/drawing/2010/main" val="0"/>
+              </a:ext>
+            </a:extLst>
+          </a:blip>
+          <a:srcRect/>
+          <a:stretch>
+            <a:fillRect/>
+          </a:stretch>
+        </p:blipFill>
+        <p:spPr bwMode="auto">
+          <a:xfrm>
+            <a:off x="477788" y="1700808"/>
+            <a:ext cx="8368376" cy="4963493"/>
+          </a:xfrm>
+          <a:prstGeom prst="rect">
+            <a:avLst/>
+          </a:prstGeom>
+          <a:noFill/>
+          <a:extLst>
+            <a:ext uri="{909E8E84-426E-40DD-AFC4-6F175D3DCCD1}">
+              <a14:hiddenFill xmlns:a14="http://schemas.microsoft.com/office/drawing/2010/main">
+                <a:solidFill>
+                  <a:srgbClr val="FFFFFF"/>
+                </a:solidFill>
+              </a14:hiddenFill>
+            </a:ext>
+          </a:extLst>
+        </p:spPr>
+      </p:pic>
     </p:spTree>
     <p:extLst>
       <p:ext uri="{BB962C8B-B14F-4D97-AF65-F5344CB8AC3E}">
